--- a/Mid-Project/Mid-Project.pptx
+++ b/Mid-Project/Mid-Project.pptx
@@ -5,10 +5,10 @@
     <p:sldMasterId id="2147483648" r:id="rId1"/>
   </p:sldMasterIdLst>
   <p:notesMasterIdLst>
-    <p:notesMasterId r:id="rId13"/>
+    <p:notesMasterId r:id="rId12"/>
   </p:notesMasterIdLst>
   <p:handoutMasterIdLst>
-    <p:handoutMasterId r:id="rId14"/>
+    <p:handoutMasterId r:id="rId13"/>
   </p:handoutMasterIdLst>
   <p:sldIdLst>
     <p:sldId id="256" r:id="rId2"/>
@@ -21,7 +21,6 @@
     <p:sldId id="263" r:id="rId9"/>
     <p:sldId id="264" r:id="rId10"/>
     <p:sldId id="265" r:id="rId11"/>
-    <p:sldId id="266" r:id="rId12"/>
   </p:sldIdLst>
   <p:sldSz cx="12192000" cy="6858000"/>
   <p:notesSz cx="6858000" cy="9144000"/>
@@ -730,7 +729,328 @@
                 <a:effectLst/>
                 <a:latin typeface="Alegreya Sans"/>
               </a:rPr>
-              <a:t>假設現在有  篇文件 </a:t>
+              <a:t>由於機器看不懂文字，因此最簡單的一種方法就是</a:t>
+            </a:r>
+            <a:r>
+              <a:rPr lang="en-US" altLang="zh-TW" b="0" i="0" dirty="0">
+                <a:solidFill>
+                  <a:srgbClr val="555555"/>
+                </a:solidFill>
+                <a:effectLst/>
+                <a:latin typeface="Alegreya Sans"/>
+              </a:rPr>
+              <a:t>【</a:t>
+            </a:r>
+            <a:r>
+              <a:rPr lang="zh-TW" altLang="en-US" b="0" i="0" dirty="0">
+                <a:solidFill>
+                  <a:srgbClr val="555555"/>
+                </a:solidFill>
+                <a:effectLst/>
+                <a:latin typeface="Alegreya Sans"/>
+              </a:rPr>
+              <a:t>詞袋</a:t>
+            </a:r>
+            <a:r>
+              <a:rPr lang="en-US" altLang="zh-TW" b="0" i="0" dirty="0">
+                <a:solidFill>
+                  <a:srgbClr val="555555"/>
+                </a:solidFill>
+                <a:effectLst/>
+                <a:latin typeface="Alegreya Sans"/>
+              </a:rPr>
+              <a:t>】:</a:t>
+            </a:r>
+          </a:p>
+          <a:p>
+            <a:pPr marL="171450" indent="-171450">
+              <a:buFontTx/>
+              <a:buChar char="-"/>
+            </a:pPr>
+            <a:r>
+              <a:rPr lang="zh-TW" altLang="en-US" b="0" i="0" dirty="0">
+                <a:solidFill>
+                  <a:srgbClr val="F5F2EB"/>
+                </a:solidFill>
+                <a:effectLst/>
+                <a:latin typeface="charter"/>
+              </a:rPr>
+              <a:t>每篇文章會用一個一維的</a:t>
+            </a:r>
+            <a:r>
+              <a:rPr lang="en-US" altLang="zh-TW" b="0" i="0" dirty="0">
+                <a:solidFill>
+                  <a:srgbClr val="F5F2EB"/>
+                </a:solidFill>
+                <a:effectLst/>
+                <a:latin typeface="charter"/>
+              </a:rPr>
+              <a:t>vector</a:t>
+            </a:r>
+            <a:r>
+              <a:rPr lang="zh-TW" altLang="en-US" b="0" i="0" dirty="0">
+                <a:solidFill>
+                  <a:srgbClr val="F5F2EB"/>
+                </a:solidFill>
+                <a:effectLst/>
+                <a:latin typeface="charter"/>
+              </a:rPr>
+              <a:t>來表示 </a:t>
+            </a:r>
+            <a:r>
+              <a:rPr lang="en-US" altLang="zh-TW" b="0" i="0" dirty="0">
+                <a:solidFill>
+                  <a:srgbClr val="F5F2EB"/>
+                </a:solidFill>
+                <a:effectLst/>
+                <a:latin typeface="charter"/>
+              </a:rPr>
+              <a:t>(</a:t>
+            </a:r>
+            <a:r>
+              <a:rPr lang="en-US" altLang="zh-TW" b="0" i="0" dirty="0">
+                <a:solidFill>
+                  <a:srgbClr val="F5F2EB"/>
+                </a:solidFill>
+                <a:effectLst/>
+                <a:latin typeface="Menlo"/>
+              </a:rPr>
+              <a:t>[‘and’, ‘document’, ‘first’, ‘is’, ‘one’, ‘second’, ‘the’, ‘third’, ‘this’])</a:t>
+            </a:r>
+            <a:r>
+              <a:rPr lang="zh-TW" altLang="en-US" b="0" i="0" dirty="0">
+                <a:solidFill>
+                  <a:srgbClr val="F5F2EB"/>
+                </a:solidFill>
+                <a:effectLst/>
+                <a:latin typeface="charter"/>
+              </a:rPr>
+              <a:t>。</a:t>
+            </a:r>
+            <a:endParaRPr lang="en-US" altLang="zh-TW" b="0" i="0" dirty="0">
+              <a:solidFill>
+                <a:srgbClr val="F5F2EB"/>
+              </a:solidFill>
+              <a:effectLst/>
+              <a:latin typeface="charter"/>
+            </a:endParaRPr>
+          </a:p>
+          <a:p>
+            <a:pPr marL="171450" indent="-171450">
+              <a:buFontTx/>
+              <a:buChar char="-"/>
+            </a:pPr>
+            <a:r>
+              <a:rPr lang="zh-TW" altLang="en-US" b="0" i="0" dirty="0">
+                <a:solidFill>
+                  <a:srgbClr val="F5F2EB"/>
+                </a:solidFill>
+                <a:effectLst/>
+                <a:latin typeface="charter"/>
+              </a:rPr>
+              <a:t>文字之間的順序在詞袋之中無法被保存。</a:t>
+            </a:r>
+            <a:endParaRPr lang="en-US" altLang="zh-TW" b="0" i="0" dirty="0">
+              <a:solidFill>
+                <a:srgbClr val="F5F2EB"/>
+              </a:solidFill>
+              <a:effectLst/>
+              <a:latin typeface="charter"/>
+            </a:endParaRPr>
+          </a:p>
+          <a:p>
+            <a:pPr marL="171450" indent="-171450">
+              <a:buFontTx/>
+              <a:buChar char="-"/>
+            </a:pPr>
+            <a:r>
+              <a:rPr lang="zh-TW" altLang="en-US" b="0" i="0" dirty="0">
+                <a:solidFill>
+                  <a:srgbClr val="F5F2EB"/>
+                </a:solidFill>
+                <a:effectLst/>
+                <a:latin typeface="charter"/>
+              </a:rPr>
+              <a:t>文字之間的「意義」沒有被保存，文字之間的「距離」無法被體現。</a:t>
+            </a:r>
+            <a:endParaRPr lang="en-US" altLang="zh-TW" b="0" i="0" dirty="0">
+              <a:solidFill>
+                <a:srgbClr val="F5F2EB"/>
+              </a:solidFill>
+              <a:effectLst/>
+              <a:latin typeface="charter"/>
+            </a:endParaRPr>
+          </a:p>
+          <a:p>
+            <a:pPr marL="628650" lvl="1" indent="-171450">
+              <a:buFontTx/>
+              <a:buChar char="-"/>
+            </a:pPr>
+            <a:r>
+              <a:rPr lang="zh-TW" altLang="en-US" b="0" i="0" dirty="0">
+                <a:solidFill>
+                  <a:srgbClr val="F5F2EB"/>
+                </a:solidFill>
+                <a:effectLst/>
+                <a:latin typeface="charter"/>
+              </a:rPr>
+              <a:t>「貓」和「狗」以及「貓」和「飛機」，貓和狗應該是較為相似的，但在詞袋之中也沒辦法體現這種「距離」的概念（到下一篇</a:t>
+            </a:r>
+            <a:r>
+              <a:rPr lang="en-US" altLang="zh-TW" b="0" i="0" dirty="0">
+                <a:solidFill>
+                  <a:srgbClr val="F5F2EB"/>
+                </a:solidFill>
+                <a:effectLst/>
+                <a:latin typeface="charter"/>
+              </a:rPr>
+              <a:t>word-embedding</a:t>
+            </a:r>
+            <a:r>
+              <a:rPr lang="zh-TW" altLang="en-US" b="0" i="0" dirty="0">
+                <a:solidFill>
+                  <a:srgbClr val="F5F2EB"/>
+                </a:solidFill>
+                <a:effectLst/>
+                <a:latin typeface="charter"/>
+              </a:rPr>
+              <a:t>就會提到解決方法）。</a:t>
+            </a:r>
+            <a:endParaRPr lang="en-US" altLang="zh-TW" b="0" i="0" dirty="0">
+              <a:solidFill>
+                <a:srgbClr val="555555"/>
+              </a:solidFill>
+              <a:effectLst/>
+              <a:latin typeface="Alegreya Sans"/>
+            </a:endParaRPr>
+          </a:p>
+          <a:p>
+            <a:endParaRPr lang="en-US" altLang="zh-TW" b="0" i="0" dirty="0">
+              <a:solidFill>
+                <a:srgbClr val="555555"/>
+              </a:solidFill>
+              <a:effectLst/>
+              <a:latin typeface="Alegreya Sans"/>
+            </a:endParaRPr>
+          </a:p>
+          <a:p>
+            <a:r>
+              <a:rPr lang="zh-TW" altLang="en-US" b="0" i="0" dirty="0">
+                <a:solidFill>
+                  <a:srgbClr val="555555"/>
+                </a:solidFill>
+                <a:effectLst/>
+                <a:latin typeface="Alegreya Sans"/>
+              </a:rPr>
+              <a:t>左邊是一篇完整的文章，透過詞袋處裡過後會轉變成一個一個的單字，接著我們就可以以得到的一維陣列特徵為依據，列出每篇溫張所出現的單字與出現的次數，產生出這個</a:t>
+            </a:r>
+            <a:r>
+              <a:rPr lang="en-US" altLang="zh-TW" b="0" i="0" dirty="0">
+                <a:solidFill>
+                  <a:srgbClr val="555555"/>
+                </a:solidFill>
+                <a:effectLst/>
+                <a:latin typeface="Alegreya Sans"/>
+              </a:rPr>
+              <a:t>【</a:t>
+            </a:r>
+            <a:r>
+              <a:rPr lang="zh-TW" altLang="en-US" b="0" i="0" dirty="0">
+                <a:solidFill>
+                  <a:srgbClr val="555555"/>
+                </a:solidFill>
+                <a:effectLst/>
+                <a:latin typeface="Alegreya Sans"/>
+              </a:rPr>
+              <a:t>文件</a:t>
+            </a:r>
+            <a:r>
+              <a:rPr lang="en-US" altLang="zh-TW" b="0" i="0" dirty="0">
+                <a:solidFill>
+                  <a:srgbClr val="555555"/>
+                </a:solidFill>
+                <a:effectLst/>
+                <a:latin typeface="Alegreya Sans"/>
+              </a:rPr>
+              <a:t>-</a:t>
+            </a:r>
+            <a:r>
+              <a:rPr lang="zh-TW" altLang="en-US" b="0" i="0" dirty="0">
+                <a:solidFill>
+                  <a:srgbClr val="555555"/>
+                </a:solidFill>
+                <a:effectLst/>
+                <a:latin typeface="Alegreya Sans"/>
+              </a:rPr>
+              <a:t>文字</a:t>
+            </a:r>
+            <a:r>
+              <a:rPr lang="en-US" altLang="zh-TW" b="0" i="0" dirty="0">
+                <a:solidFill>
+                  <a:srgbClr val="555555"/>
+                </a:solidFill>
+                <a:effectLst/>
+                <a:latin typeface="Alegreya Sans"/>
+              </a:rPr>
+              <a:t>】</a:t>
+            </a:r>
+            <a:r>
+              <a:rPr lang="zh-TW" altLang="en-US" b="0" i="0" dirty="0">
+                <a:solidFill>
+                  <a:srgbClr val="555555"/>
+                </a:solidFill>
+                <a:effectLst/>
+                <a:latin typeface="Alegreya Sans"/>
+              </a:rPr>
+              <a:t>矩陣。</a:t>
+            </a:r>
+            <a:endParaRPr lang="en-US" altLang="zh-TW" b="0" i="0" dirty="0">
+              <a:solidFill>
+                <a:srgbClr val="555555"/>
+              </a:solidFill>
+              <a:effectLst/>
+              <a:latin typeface="Alegreya Sans"/>
+            </a:endParaRPr>
+          </a:p>
+          <a:p>
+            <a:endParaRPr lang="en-US" altLang="zh-TW" b="0" i="0" dirty="0">
+              <a:solidFill>
+                <a:srgbClr val="555555"/>
+              </a:solidFill>
+              <a:effectLst/>
+              <a:latin typeface="Alegreya Sans"/>
+            </a:endParaRPr>
+          </a:p>
+          <a:p>
+            <a:r>
+              <a:rPr lang="zh-TW" altLang="en-US" b="0" i="0" dirty="0">
+                <a:solidFill>
+                  <a:srgbClr val="555555"/>
+                </a:solidFill>
+                <a:effectLst/>
+                <a:latin typeface="Alegreya Sans"/>
+              </a:rPr>
+              <a:t>假設現在有 </a:t>
+            </a:r>
+            <a:r>
+              <a:rPr lang="en-US" altLang="zh-TW" b="0" i="0" dirty="0">
+                <a:solidFill>
+                  <a:srgbClr val="555555"/>
+                </a:solidFill>
+                <a:effectLst/>
+                <a:latin typeface="Alegreya Sans"/>
+              </a:rPr>
+              <a:t>D</a:t>
+            </a:r>
+            <a:r>
+              <a:rPr lang="zh-TW" altLang="en-US" b="0" i="0" dirty="0">
+                <a:solidFill>
+                  <a:srgbClr val="555555"/>
+                </a:solidFill>
+                <a:effectLst/>
+                <a:latin typeface="Alegreya Sans"/>
+              </a:rPr>
+              <a:t> 篇文件 </a:t>
             </a:r>
             <a:r>
               <a:rPr lang="en-US" altLang="zh-TW" b="0" i="0" dirty="0">
@@ -750,7 +1070,27 @@
                 <a:effectLst/>
                 <a:latin typeface="Alegreya Sans"/>
               </a:rPr>
-              <a:t>，而所有文件中總共使用了  個詞彙 </a:t>
+              <a:t>，而所有文件中總共使用了 </a:t>
+            </a:r>
+            <a:r>
+              <a:rPr lang="en-US" altLang="zh-TW" b="0" i="0" dirty="0">
+                <a:solidFill>
+                  <a:srgbClr val="555555"/>
+                </a:solidFill>
+                <a:effectLst/>
+                <a:latin typeface="Alegreya Sans"/>
+              </a:rPr>
+              <a:t>T</a:t>
+            </a:r>
+            <a:r>
+              <a:rPr lang="zh-TW" altLang="en-US" b="0" i="0" dirty="0">
+                <a:solidFill>
+                  <a:srgbClr val="555555"/>
+                </a:solidFill>
+                <a:effectLst/>
+                <a:latin typeface="Alegreya Sans"/>
+              </a:rPr>
+              <a:t> 個詞彙 </a:t>
             </a:r>
             <a:r>
               <a:rPr lang="en-US" altLang="zh-TW" b="0" i="0" dirty="0">
@@ -770,7 +1110,26 @@
                 <a:effectLst/>
                 <a:latin typeface="Alegreya Sans"/>
               </a:rPr>
-              <a:t>，我們就可以將文章轉換成以下類型的矩陣，其中第一欄第一列的「</a:t>
+              <a:t>。</a:t>
+            </a:r>
+            <a:endParaRPr lang="en-US" altLang="zh-TW" b="0" i="0" dirty="0">
+              <a:solidFill>
+                <a:srgbClr val="555555"/>
+              </a:solidFill>
+              <a:effectLst/>
+              <a:latin typeface="Alegreya Sans"/>
+            </a:endParaRPr>
+          </a:p>
+          <a:p>
+            <a:r>
+              <a:rPr lang="zh-TW" altLang="en-US" b="0" i="0" dirty="0">
+                <a:solidFill>
+                  <a:srgbClr val="555555"/>
+                </a:solidFill>
+                <a:effectLst/>
+                <a:latin typeface="Alegreya Sans"/>
+              </a:rPr>
+              <a:t>就可以把文章轉換成這個類型的矩陣，其中第一欄第一列的「</a:t>
             </a:r>
             <a:r>
               <a:rPr lang="en-US" altLang="zh-TW" b="0" i="0" dirty="0">
@@ -850,7 +1209,46 @@
                 <a:effectLst/>
                 <a:latin typeface="Alegreya Sans"/>
               </a:rPr>
-              <a:t>」。如此一來，我們可以用  這個向量來代表「文件 </a:t>
+              <a:t>」。</a:t>
+            </a:r>
+            <a:endParaRPr lang="en-US" altLang="zh-TW" b="0" i="0" dirty="0">
+              <a:solidFill>
+                <a:srgbClr val="555555"/>
+              </a:solidFill>
+              <a:effectLst/>
+              <a:latin typeface="Alegreya Sans"/>
+            </a:endParaRPr>
+          </a:p>
+          <a:p>
+            <a:r>
+              <a:rPr lang="zh-TW" altLang="en-US" b="0" i="0" dirty="0">
+                <a:solidFill>
+                  <a:srgbClr val="555555"/>
+                </a:solidFill>
+                <a:effectLst/>
+                <a:latin typeface="Alegreya Sans"/>
+              </a:rPr>
+              <a:t>這樣我們就可以用 </a:t>
+            </a:r>
+            <a:r>
+              <a:rPr lang="en-US" altLang="zh-TW" b="0" i="0" dirty="0">
+                <a:solidFill>
+                  <a:srgbClr val="555555"/>
+                </a:solidFill>
+                <a:effectLst/>
+                <a:latin typeface="Alegreya Sans"/>
+              </a:rPr>
+              <a:t>[12, 0, 3, …, 2]</a:t>
+            </a:r>
+            <a:r>
+              <a:rPr lang="zh-TW" altLang="en-US" b="0" i="0" dirty="0">
+                <a:solidFill>
+                  <a:srgbClr val="555555"/>
+                </a:solidFill>
+                <a:effectLst/>
+                <a:latin typeface="Alegreya Sans"/>
+              </a:rPr>
+              <a:t> 這個向量來代表「文件 </a:t>
             </a:r>
             <a:r>
               <a:rPr lang="en-US" altLang="zh-TW" b="0" i="0" dirty="0">
@@ -870,7 +1268,7 @@
                 <a:effectLst/>
                 <a:latin typeface="Alegreya Sans"/>
               </a:rPr>
-              <a:t>」，同理也可用「文件 </a:t>
+              <a:t>」，「文件 </a:t>
             </a:r>
             <a:r>
               <a:rPr lang="en-US" altLang="zh-TW" b="0" i="0" dirty="0">
@@ -890,7 +1288,27 @@
                 <a:effectLst/>
                 <a:latin typeface="Alegreya Sans"/>
               </a:rPr>
-              <a:t>」也可以用  來表示。</a:t>
+              <a:t>」也可以用 </a:t>
+            </a:r>
+            <a:r>
+              <a:rPr lang="en-US" altLang="zh-TW" b="0" i="0" dirty="0">
+                <a:solidFill>
+                  <a:srgbClr val="555555"/>
+                </a:solidFill>
+                <a:effectLst/>
+                <a:latin typeface="Alegreya Sans"/>
+              </a:rPr>
+              <a:t>[0, 2, 8, …, 0]</a:t>
+            </a:r>
+            <a:r>
+              <a:rPr lang="zh-TW" altLang="en-US" b="0" i="0" dirty="0">
+                <a:solidFill>
+                  <a:srgbClr val="555555"/>
+                </a:solidFill>
+                <a:effectLst/>
+                <a:latin typeface="Alegreya Sans"/>
+              </a:rPr>
+              <a:t> 來表示。</a:t>
             </a:r>
             <a:endParaRPr lang="zh-TW" altLang="en-US" dirty="0"/>
           </a:p>
@@ -2563,7 +2981,7 @@
         <p:spPr>
           <a:xfrm>
             <a:off x="838200" y="249375"/>
-            <a:ext cx="10515600" cy="1973707"/>
+            <a:ext cx="10515600" cy="2674581"/>
           </a:xfrm>
         </p:spPr>
         <p:txBody>
@@ -2572,9 +2990,25 @@
           </a:bodyPr>
           <a:lstStyle/>
           <a:p>
+            <a:pPr algn="l">
+              <a:lnSpc>
+                <a:spcPct val="150000"/>
+              </a:lnSpc>
+            </a:pPr>
+            <a:r>
+              <a:rPr lang="zh-TW" altLang="en-US" sz="6000" dirty="0"/>
+              <a:t>期中報告</a:t>
+            </a:r>
+            <a:br>
+              <a:rPr lang="en-US" altLang="zh-TW" sz="4800" dirty="0"/>
+            </a:br>
+            <a:r>
+              <a:rPr lang="en-US" altLang="zh-TW" sz="4800" dirty="0"/>
+              <a:t>-</a:t>
+            </a:r>
             <a:r>
               <a:rPr lang="zh-TW" altLang="en-US" sz="4800" dirty="0"/>
-              <a:t>期中報告</a:t>
+              <a:t> 找出文章中相對重要的詞彙</a:t>
             </a:r>
           </a:p>
         </p:txBody>
@@ -2597,15 +3031,18 @@
         </p:nvSpPr>
         <p:spPr>
           <a:xfrm>
-            <a:off x="2262186" y="2676087"/>
-            <a:ext cx="7720013" cy="2674581"/>
+            <a:off x="838200" y="3086002"/>
+            <a:ext cx="7720013" cy="2426712"/>
           </a:xfrm>
         </p:spPr>
         <p:txBody>
           <a:bodyPr anchor="ctr"/>
           <a:lstStyle/>
           <a:p>
-            <a:pPr marL="0" indent="0" algn="ctr">
+            <a:pPr marL="0" indent="0">
+              <a:lnSpc>
+                <a:spcPct val="150000"/>
+              </a:lnSpc>
               <a:buNone/>
             </a:pPr>
             <a:r>
@@ -2615,7 +3052,11 @@
             <a:endParaRPr lang="en-US" altLang="zh-TW" dirty="0"/>
           </a:p>
           <a:p>
-            <a:pPr algn="ctr"/>
+            <a:pPr>
+              <a:lnSpc>
+                <a:spcPct val="150000"/>
+              </a:lnSpc>
+            </a:pPr>
             <a:r>
               <a:rPr lang="zh-TW" altLang="en-US" dirty="0"/>
               <a:t>四電四乙 </a:t>
@@ -2630,7 +3071,11 @@
             </a:r>
           </a:p>
           <a:p>
-            <a:pPr algn="ctr"/>
+            <a:pPr>
+              <a:lnSpc>
+                <a:spcPct val="150000"/>
+              </a:lnSpc>
+            </a:pPr>
             <a:r>
               <a:rPr lang="zh-TW" altLang="en-US" dirty="0"/>
               <a:t>四電四乙 </a:t>
@@ -2643,10 +3088,6 @@
               <a:rPr lang="zh-TW" altLang="en-US" dirty="0"/>
               <a:t>葉乙鴻</a:t>
             </a:r>
-          </a:p>
-          <a:p>
-            <a:pPr algn="ctr"/>
-            <a:endParaRPr lang="zh-TW" altLang="en-US" dirty="0"/>
           </a:p>
         </p:txBody>
       </p:sp>
@@ -2787,7 +3228,7 @@
         <p:spPr>
           <a:xfrm>
             <a:off x="716665" y="1172256"/>
-            <a:ext cx="10637134" cy="1716373"/>
+            <a:ext cx="10637134" cy="1221073"/>
           </a:xfrm>
         </p:spPr>
         <p:txBody>
@@ -2809,7 +3250,31 @@
             </a:r>
             <a:r>
               <a:rPr lang="zh-TW" altLang="en-US" dirty="0"/>
-              <a:t>名相對重要的詞彙</a:t>
+              <a:t>名相對重要的詞彙 </a:t>
+            </a:r>
+            <a:r>
+              <a:rPr lang="en-US" altLang="zh-TW" dirty="0"/>
+              <a:t>(</a:t>
+            </a:r>
+            <a:r>
+              <a:rPr lang="zh-TW" altLang="en-US" dirty="0"/>
+              <a:t> 以 </a:t>
+            </a:r>
+            <a:r>
+              <a:rPr lang="en-US" altLang="zh-TW" dirty="0"/>
+              <a:t>2.txt </a:t>
+            </a:r>
+            <a:r>
+              <a:rPr lang="zh-TW" altLang="en-US" dirty="0"/>
+              <a:t>為例 </a:t>
+            </a:r>
+            <a:r>
+              <a:rPr lang="en-US" altLang="zh-TW" dirty="0"/>
+              <a:t>)</a:t>
+            </a:r>
+            <a:r>
+              <a:rPr lang="zh-TW" altLang="en-US" dirty="0"/>
+              <a:t>。</a:t>
             </a:r>
           </a:p>
         </p:txBody>
@@ -2917,15 +3382,27 @@
             <a:r>
               <a:rPr lang="en-US" altLang="zh-TW" dirty="0">
                 <a:solidFill>
-                  <a:schemeClr val="bg1"/>
-                </a:solidFill>
-                <a:hlinkClick r:id="rId4"/>
+                  <a:schemeClr val="accent1">
+                    <a:lumMod val="60000"/>
+                    <a:lumOff val="40000"/>
+                  </a:schemeClr>
+                </a:solidFill>
+                <a:hlinkClick r:id="rId4">
+                  <a:extLst>
+                    <a:ext uri="{A12FA001-AC4F-418D-AE19-62706E023703}">
+                      <ahyp:hlinkClr xmlns:ahyp="http://schemas.microsoft.com/office/drawing/2018/hyperlinkcolor" val="tx"/>
+                    </a:ext>
+                  </a:extLst>
+                </a:hlinkClick>
               </a:rPr>
               <a:t>https://ieeexplore.ieee.org/document/5621927</a:t>
             </a:r>
             <a:endParaRPr lang="zh-TW" altLang="en-US" dirty="0">
               <a:solidFill>
-                <a:schemeClr val="bg1"/>
+                <a:schemeClr val="accent1">
+                  <a:lumMod val="60000"/>
+                  <a:lumOff val="40000"/>
+                </a:schemeClr>
               </a:solidFill>
             </a:endParaRPr>
           </a:p>
@@ -2935,146 +3412,6 @@
     <p:extLst>
       <p:ext uri="{BB962C8B-B14F-4D97-AF65-F5344CB8AC3E}">
         <p14:creationId xmlns:p14="http://schemas.microsoft.com/office/powerpoint/2010/main" val="329632293"/>
-      </p:ext>
-    </p:extLst>
-  </p:cSld>
-  <p:clrMapOvr>
-    <a:masterClrMapping/>
-  </p:clrMapOvr>
-</p:sld>
-</file>
-
-<file path=ppt/slides/slide11.xml><?xml version="1.0" encoding="utf-8"?>
-<p:sld xmlns:a="http://schemas.openxmlformats.org/drawingml/2006/main" xmlns:r="http://schemas.openxmlformats.org/officeDocument/2006/relationships" xmlns:p="http://schemas.openxmlformats.org/presentationml/2006/main">
-  <p:cSld>
-    <p:spTree>
-      <p:nvGrpSpPr>
-        <p:cNvPr id="1" name=""/>
-        <p:cNvGrpSpPr/>
-        <p:nvPr/>
-      </p:nvGrpSpPr>
-      <p:grpSpPr>
-        <a:xfrm>
-          <a:off x="0" y="0"/>
-          <a:ext cx="0" cy="0"/>
-          <a:chOff x="0" y="0"/>
-          <a:chExt cx="0" cy="0"/>
-        </a:xfrm>
-      </p:grpSpPr>
-      <p:sp>
-        <p:nvSpPr>
-          <p:cNvPr id="2" name="日期版面配置區 1">
-            <a:extLst>
-              <a:ext uri="{FF2B5EF4-FFF2-40B4-BE49-F238E27FC236}">
-                <a16:creationId xmlns:a16="http://schemas.microsoft.com/office/drawing/2014/main" id="{16C3ECBB-97D8-418F-A892-0E12D20002AD}"/>
-              </a:ext>
-            </a:extLst>
-          </p:cNvPr>
-          <p:cNvSpPr>
-            <a:spLocks noGrp="1"/>
-          </p:cNvSpPr>
-          <p:nvPr>
-            <p:ph type="dt" sz="half" idx="10"/>
-          </p:nvPr>
-        </p:nvSpPr>
-        <p:spPr/>
-        <p:txBody>
-          <a:bodyPr/>
-          <a:lstStyle/>
-          <a:p>
-            <a:fld id="{73DE5BA9-DEAF-42E6-A1DE-DDADD55AAA6B}" type="datetime1">
-              <a:rPr lang="zh-TW" altLang="en-US" smtClean="0"/>
-              <a:pPr/>
-              <a:t>2021/4/19</a:t>
-            </a:fld>
-            <a:endParaRPr lang="zh-TW" altLang="en-US" dirty="0"/>
-          </a:p>
-        </p:txBody>
-      </p:sp>
-      <p:sp>
-        <p:nvSpPr>
-          <p:cNvPr id="3" name="投影片編號版面配置區 2">
-            <a:extLst>
-              <a:ext uri="{FF2B5EF4-FFF2-40B4-BE49-F238E27FC236}">
-                <a16:creationId xmlns:a16="http://schemas.microsoft.com/office/drawing/2014/main" id="{96FF2FBB-7242-4D95-A8CF-BA8B4E6A1B18}"/>
-              </a:ext>
-            </a:extLst>
-          </p:cNvPr>
-          <p:cNvSpPr>
-            <a:spLocks noGrp="1"/>
-          </p:cNvSpPr>
-          <p:nvPr>
-            <p:ph type="sldNum" sz="quarter" idx="11"/>
-          </p:nvPr>
-        </p:nvSpPr>
-        <p:spPr/>
-        <p:txBody>
-          <a:bodyPr/>
-          <a:lstStyle/>
-          <a:p>
-            <a:fld id="{953F79A0-9A34-44A5-AF9C-7AB6F9CE1700}" type="slidenum">
-              <a:rPr lang="zh-TW" altLang="en-US" smtClean="0"/>
-              <a:pPr/>
-              <a:t>11</a:t>
-            </a:fld>
-            <a:endParaRPr lang="zh-TW" altLang="en-US" dirty="0"/>
-          </a:p>
-        </p:txBody>
-      </p:sp>
-      <p:sp>
-        <p:nvSpPr>
-          <p:cNvPr id="4" name="標題 3">
-            <a:extLst>
-              <a:ext uri="{FF2B5EF4-FFF2-40B4-BE49-F238E27FC236}">
-                <a16:creationId xmlns:a16="http://schemas.microsoft.com/office/drawing/2014/main" id="{17C88B50-8904-4315-A7F6-0DC62B5374E0}"/>
-              </a:ext>
-            </a:extLst>
-          </p:cNvPr>
-          <p:cNvSpPr>
-            <a:spLocks noGrp="1"/>
-          </p:cNvSpPr>
-          <p:nvPr>
-            <p:ph type="title"/>
-          </p:nvPr>
-        </p:nvSpPr>
-        <p:spPr/>
-        <p:txBody>
-          <a:bodyPr/>
-          <a:lstStyle/>
-          <a:p>
-            <a:endParaRPr lang="zh-TW" altLang="en-US"/>
-          </a:p>
-        </p:txBody>
-      </p:sp>
-      <p:sp>
-        <p:nvSpPr>
-          <p:cNvPr id="5" name="內容版面配置區 4">
-            <a:extLst>
-              <a:ext uri="{FF2B5EF4-FFF2-40B4-BE49-F238E27FC236}">
-                <a16:creationId xmlns:a16="http://schemas.microsoft.com/office/drawing/2014/main" id="{D84049AD-8F6E-4764-A5A4-9BDFDAD8D37E}"/>
-              </a:ext>
-            </a:extLst>
-          </p:cNvPr>
-          <p:cNvSpPr>
-            <a:spLocks noGrp="1"/>
-          </p:cNvSpPr>
-          <p:nvPr>
-            <p:ph sz="quarter" idx="12"/>
-          </p:nvPr>
-        </p:nvSpPr>
-        <p:spPr/>
-        <p:txBody>
-          <a:bodyPr/>
-          <a:lstStyle/>
-          <a:p>
-            <a:endParaRPr lang="zh-TW" altLang="en-US"/>
-          </a:p>
-        </p:txBody>
-      </p:sp>
-    </p:spTree>
-    <p:extLst>
-      <p:ext uri="{BB962C8B-B14F-4D97-AF65-F5344CB8AC3E}">
-        <p14:creationId xmlns:p14="http://schemas.microsoft.com/office/powerpoint/2010/main" val="1791484879"/>
       </p:ext>
     </p:extLst>
   </p:cSld>
@@ -3198,7 +3535,18 @@
               <a:rPr lang="en-US" altLang="zh-TW" dirty="0"/>
               <a:t>)</a:t>
             </a:r>
-            <a:endParaRPr lang="zh-TW" altLang="en-US" dirty="0"/>
+            <a:r>
+              <a:rPr lang="zh-TW" altLang="en-US" dirty="0"/>
+              <a:t> </a:t>
+            </a:r>
+            <a:r>
+              <a:rPr lang="en-US" altLang="zh-TW" dirty="0"/>
+              <a:t>-</a:t>
+            </a:r>
+            <a:r>
+              <a:rPr lang="zh-TW" altLang="en-US" dirty="0"/>
+              <a:t> 詞袋</a:t>
+            </a:r>
           </a:p>
         </p:txBody>
       </p:sp>
@@ -3231,8 +3579,8 @@
         </p:blipFill>
         <p:spPr bwMode="auto">
           <a:xfrm>
-            <a:off x="838201" y="1575855"/>
-            <a:ext cx="6224336" cy="3706289"/>
+            <a:off x="6920343" y="1122540"/>
+            <a:ext cx="4936957" cy="2939717"/>
           </a:xfrm>
           <a:prstGeom prst="rect">
             <a:avLst/>
@@ -3278,7 +3626,7 @@
         </p:blipFill>
         <p:spPr bwMode="auto">
           <a:xfrm>
-            <a:off x="7243011" y="2466763"/>
+            <a:off x="7624976" y="4176043"/>
             <a:ext cx="4232324" cy="1924474"/>
           </a:xfrm>
           <a:prstGeom prst="rect">
@@ -3287,6 +3635,150 @@
           <a:solidFill>
             <a:schemeClr val="bg1"/>
           </a:solidFill>
+        </p:spPr>
+      </p:pic>
+      <p:sp>
+        <p:nvSpPr>
+          <p:cNvPr id="7" name="內容版面配置區 4">
+            <a:extLst>
+              <a:ext uri="{FF2B5EF4-FFF2-40B4-BE49-F238E27FC236}">
+                <a16:creationId xmlns:a16="http://schemas.microsoft.com/office/drawing/2014/main" id="{9D175B5D-C6D1-477E-88B0-1219D51B9104}"/>
+              </a:ext>
+            </a:extLst>
+          </p:cNvPr>
+          <p:cNvSpPr>
+            <a:spLocks noGrp="1"/>
+          </p:cNvSpPr>
+          <p:nvPr>
+            <p:ph sz="quarter" idx="12"/>
+          </p:nvPr>
+        </p:nvSpPr>
+        <p:spPr>
+          <a:xfrm>
+            <a:off x="716665" y="1172258"/>
+            <a:ext cx="6203678" cy="4904692"/>
+          </a:xfrm>
+        </p:spPr>
+        <p:txBody>
+          <a:bodyPr>
+            <a:noAutofit/>
+          </a:bodyPr>
+          <a:lstStyle/>
+          <a:p>
+            <a:pPr marL="0" indent="0">
+              <a:lnSpc>
+                <a:spcPct val="150000"/>
+              </a:lnSpc>
+              <a:buNone/>
+            </a:pPr>
+            <a:r>
+              <a:rPr lang="zh-TW" altLang="en-US" dirty="0"/>
+              <a:t>要讓機器看得懂文字的意義。</a:t>
+            </a:r>
+            <a:endParaRPr lang="en-US" altLang="zh-TW" dirty="0"/>
+          </a:p>
+          <a:p>
+            <a:pPr>
+              <a:lnSpc>
+                <a:spcPct val="150000"/>
+              </a:lnSpc>
+            </a:pPr>
+            <a:r>
+              <a:rPr lang="zh-TW" altLang="en-US" b="0" i="0" dirty="0">
+                <a:solidFill>
+                  <a:srgbClr val="F5F2EB"/>
+                </a:solidFill>
+                <a:effectLst/>
+                <a:latin typeface="charter"/>
+              </a:rPr>
+              <a:t>每篇文章會用一個一維的向量來表示</a:t>
+            </a:r>
+            <a:endParaRPr lang="en-US" altLang="zh-TW" b="0" i="0" dirty="0">
+              <a:solidFill>
+                <a:srgbClr val="F5F2EB"/>
+              </a:solidFill>
+              <a:effectLst/>
+              <a:latin typeface="charter"/>
+            </a:endParaRPr>
+          </a:p>
+          <a:p>
+            <a:pPr>
+              <a:lnSpc>
+                <a:spcPct val="150000"/>
+              </a:lnSpc>
+            </a:pPr>
+            <a:r>
+              <a:rPr lang="zh-TW" altLang="en-US" b="0" i="0" dirty="0">
+                <a:solidFill>
+                  <a:srgbClr val="F5F2EB"/>
+                </a:solidFill>
+                <a:effectLst/>
+                <a:latin typeface="charter"/>
+              </a:rPr>
+              <a:t>文字之間的順序無法被保存</a:t>
+            </a:r>
+            <a:endParaRPr lang="en-US" altLang="zh-TW" b="0" i="0" dirty="0">
+              <a:solidFill>
+                <a:srgbClr val="F5F2EB"/>
+              </a:solidFill>
+              <a:effectLst/>
+              <a:latin typeface="charter"/>
+            </a:endParaRPr>
+          </a:p>
+          <a:p>
+            <a:pPr>
+              <a:lnSpc>
+                <a:spcPct val="150000"/>
+              </a:lnSpc>
+            </a:pPr>
+            <a:r>
+              <a:rPr lang="zh-TW" altLang="en-US" b="0" i="0" dirty="0">
+                <a:solidFill>
+                  <a:srgbClr val="F5F2EB"/>
+                </a:solidFill>
+                <a:effectLst/>
+                <a:latin typeface="charter"/>
+              </a:rPr>
+              <a:t>文字之間的距離無法表示</a:t>
+            </a:r>
+            <a:endParaRPr lang="zh-TW" altLang="en-US" dirty="0"/>
+          </a:p>
+        </p:txBody>
+      </p:sp>
+      <p:pic>
+        <p:nvPicPr>
+          <p:cNvPr id="9" name="圖片 8">
+            <a:extLst>
+              <a:ext uri="{FF2B5EF4-FFF2-40B4-BE49-F238E27FC236}">
+                <a16:creationId xmlns:a16="http://schemas.microsoft.com/office/drawing/2014/main" id="{F4649E87-C232-440C-BEEB-0FAB124FDCBC}"/>
+              </a:ext>
+            </a:extLst>
+          </p:cNvPr>
+          <p:cNvPicPr>
+            <a:picLocks noChangeAspect="1"/>
+          </p:cNvPicPr>
+          <p:nvPr/>
+        </p:nvPicPr>
+        <p:blipFill>
+          <a:blip r:embed="rId5">
+            <a:extLst>
+              <a:ext uri="{28A0092B-C50C-407E-A947-70E740481C1C}">
+                <a14:useLocalDpi xmlns:a14="http://schemas.microsoft.com/office/drawing/2010/main" val="0"/>
+              </a:ext>
+            </a:extLst>
+          </a:blip>
+          <a:stretch>
+            <a:fillRect/>
+          </a:stretch>
+        </p:blipFill>
+        <p:spPr>
+          <a:xfrm>
+            <a:off x="716665" y="5442820"/>
+            <a:ext cx="6344535" cy="485843"/>
+          </a:xfrm>
+          <a:prstGeom prst="rect">
+            <a:avLst/>
+          </a:prstGeom>
         </p:spPr>
       </p:pic>
     </p:spTree>
@@ -3784,15 +4276,23 @@
                 </a:r>
                 <a:r>
                   <a:rPr lang="zh-TW" altLang="en-US" dirty="0"/>
-                  <a:t> 文件 </a:t>
+                  <a:t> 假設</a:t>
                 </a:r>
                 <a:r>
                   <a:rPr lang="en-US" altLang="zh-TW" dirty="0"/>
-                  <a:t>1</a:t>
+                  <a:t>【</a:t>
                 </a:r>
                 <a:r>
                   <a:rPr lang="zh-TW" altLang="en-US" dirty="0"/>
-                  <a:t> 總共有 </a:t>
+                  <a:t>文件 </a:t>
+                </a:r>
+                <a:r>
+                  <a:rPr lang="en-US" altLang="zh-TW" dirty="0"/>
+                  <a:t>1】</a:t>
+                </a:r>
+                <a:r>
+                  <a:rPr lang="zh-TW" altLang="en-US" dirty="0"/>
+                  <a:t>總共有 </a:t>
                 </a:r>
                 <a:r>
                   <a:rPr lang="en-US" altLang="zh-TW" dirty="0"/>
@@ -3800,19 +4300,35 @@
                 </a:r>
                 <a:r>
                   <a:rPr lang="zh-TW" altLang="en-US" dirty="0"/>
-                  <a:t>個詞，而第 </a:t>
+                  <a:t>個詞，而</a:t>
                 </a:r>
                 <a:r>
                   <a:rPr lang="en-US" altLang="zh-TW" dirty="0"/>
-                  <a:t>1 </a:t>
+                  <a:t>【</a:t>
                 </a:r>
                 <a:r>
                   <a:rPr lang="zh-TW" altLang="en-US" dirty="0"/>
-                  <a:t>個詞在文件 </a:t>
+                  <a:t>詞 </a:t>
                 </a:r>
                 <a:r>
                   <a:rPr lang="en-US" altLang="zh-TW" dirty="0"/>
-                  <a:t>1 </a:t>
+                  <a:t>1】</a:t>
+                </a:r>
+                <a:r>
+                  <a:rPr lang="zh-TW" altLang="en-US" dirty="0"/>
+                  <a:t>在</a:t>
+                </a:r>
+                <a:r>
+                  <a:rPr lang="en-US" altLang="zh-TW" dirty="0"/>
+                  <a:t>【</a:t>
+                </a:r>
+                <a:r>
+                  <a:rPr lang="zh-TW" altLang="en-US" dirty="0"/>
+                  <a:t>文件 </a:t>
+                </a:r>
+                <a:r>
+                  <a:rPr lang="en-US" altLang="zh-TW" dirty="0"/>
+                  <a:t>1】</a:t>
                 </a:r>
                 <a:r>
                   <a:rPr lang="zh-TW" altLang="en-US" dirty="0"/>
@@ -4134,7 +4650,7 @@
             </p:spPr>
             <p:txBody>
               <a:bodyPr>
-                <a:normAutofit/>
+                <a:normAutofit fontScale="92500" lnSpcReduction="20000"/>
               </a:bodyPr>
               <a:lstStyle/>
               <a:p>
@@ -4382,6 +4898,140 @@
                   <a:rPr lang="zh-TW" altLang="en-US" dirty="0"/>
                   <a:t> 值越小。</a:t>
                 </a:r>
+                <a:endParaRPr lang="en-US" altLang="zh-TW" dirty="0"/>
+              </a:p>
+              <a:p>
+                <a:pPr>
+                  <a:lnSpc>
+                    <a:spcPct val="150000"/>
+                  </a:lnSpc>
+                </a:pPr>
+                <a:r>
+                  <a:rPr lang="en-US" altLang="zh-TW" dirty="0"/>
+                  <a:t>Ex : </a:t>
+                </a:r>
+                <a:r>
+                  <a:rPr lang="zh-TW" altLang="en-US" dirty="0"/>
+                  <a:t>假設總共有 </a:t>
+                </a:r>
+                <a:r>
+                  <a:rPr lang="en-US" altLang="zh-TW" dirty="0"/>
+                  <a:t>3 </a:t>
+                </a:r>
+                <a:r>
+                  <a:rPr lang="zh-TW" altLang="en-US" dirty="0"/>
+                  <a:t>個文件，而</a:t>
+                </a:r>
+                <a:r>
+                  <a:rPr lang="en-US" altLang="zh-TW" dirty="0"/>
+                  <a:t>【</a:t>
+                </a:r>
+                <a:r>
+                  <a:rPr lang="zh-TW" altLang="en-US" dirty="0"/>
+                  <a:t>詞 </a:t>
+                </a:r>
+                <a:r>
+                  <a:rPr lang="en-US" altLang="zh-TW" dirty="0"/>
+                  <a:t>1】</a:t>
+                </a:r>
+                <a:r>
+                  <a:rPr lang="zh-TW" altLang="en-US" dirty="0"/>
+                  <a:t>在</a:t>
+                </a:r>
+                <a:r>
+                  <a:rPr lang="en-US" altLang="zh-TW" dirty="0"/>
+                  <a:t> 3 </a:t>
+                </a:r>
+                <a:r>
+                  <a:rPr lang="zh-TW" altLang="en-US" dirty="0"/>
+                  <a:t>個文件中出現 </a:t>
+                </a:r>
+                <a:r>
+                  <a:rPr lang="en-US" altLang="zh-TW" dirty="0"/>
+                  <a:t>2 </a:t>
+                </a:r>
+                <a:r>
+                  <a:rPr lang="zh-TW" altLang="en-US" dirty="0"/>
+                  <a:t>次，因此</a:t>
+                </a:r>
+                <a14:m>
+                  <m:oMath xmlns:m="http://schemas.openxmlformats.org/officeDocument/2006/math">
+                    <m:sSub>
+                      <m:sSubPr>
+                        <m:ctrlPr>
+                          <a:rPr lang="en-US" altLang="zh-TW" b="0" i="1" smtClean="0">
+                            <a:latin typeface="Cambria Math" panose="02040503050406030204" pitchFamily="18" charset="0"/>
+                          </a:rPr>
+                        </m:ctrlPr>
+                      </m:sSubPr>
+                      <m:e>
+                        <m:r>
+                          <a:rPr lang="en-US" altLang="zh-TW" b="0" i="1" smtClean="0">
+                            <a:latin typeface="Cambria Math" panose="02040503050406030204" pitchFamily="18" charset="0"/>
+                          </a:rPr>
+                          <m:t>𝑖𝑑𝑓</m:t>
+                        </m:r>
+                      </m:e>
+                      <m:sub>
+                        <m:r>
+                          <a:rPr lang="en-US" altLang="zh-TW" b="0" i="1" smtClean="0">
+                            <a:latin typeface="Cambria Math" panose="02040503050406030204" pitchFamily="18" charset="0"/>
+                          </a:rPr>
+                          <m:t>1</m:t>
+                        </m:r>
+                      </m:sub>
+                    </m:sSub>
+                    <m:r>
+                      <a:rPr lang="en-US" altLang="zh-TW" b="0" i="1" smtClean="0">
+                        <a:latin typeface="Cambria Math" panose="02040503050406030204" pitchFamily="18" charset="0"/>
+                      </a:rPr>
+                      <m:t>=</m:t>
+                    </m:r>
+                    <m:r>
+                      <a:rPr lang="en-US" altLang="zh-TW" b="0" i="1" smtClean="0">
+                        <a:latin typeface="Cambria Math" panose="02040503050406030204" pitchFamily="18" charset="0"/>
+                      </a:rPr>
+                      <m:t>𝑙𝑜𝑔</m:t>
+                    </m:r>
+                    <m:d>
+                      <m:dPr>
+                        <m:ctrlPr>
+                          <a:rPr lang="en-US" altLang="zh-TW" b="0" i="1" smtClean="0">
+                            <a:latin typeface="Cambria Math" panose="02040503050406030204" pitchFamily="18" charset="0"/>
+                          </a:rPr>
+                        </m:ctrlPr>
+                      </m:dPr>
+                      <m:e>
+                        <m:f>
+                          <m:fPr>
+                            <m:ctrlPr>
+                              <a:rPr lang="en-US" altLang="zh-TW" b="0" i="1" smtClean="0">
+                                <a:latin typeface="Cambria Math" panose="02040503050406030204" pitchFamily="18" charset="0"/>
+                              </a:rPr>
+                            </m:ctrlPr>
+                          </m:fPr>
+                          <m:num>
+                            <m:r>
+                              <a:rPr lang="en-US" altLang="zh-TW" b="0" i="1" smtClean="0">
+                                <a:latin typeface="Cambria Math" panose="02040503050406030204" pitchFamily="18" charset="0"/>
+                              </a:rPr>
+                              <m:t>3</m:t>
+                            </m:r>
+                          </m:num>
+                          <m:den>
+                            <m:r>
+                              <a:rPr lang="en-US" altLang="zh-TW" b="0" i="1" smtClean="0">
+                                <a:latin typeface="Cambria Math" panose="02040503050406030204" pitchFamily="18" charset="0"/>
+                              </a:rPr>
+                              <m:t>2</m:t>
+                            </m:r>
+                          </m:den>
+                        </m:f>
+                      </m:e>
+                    </m:d>
+                  </m:oMath>
+                </a14:m>
+                <a:endParaRPr lang="zh-TW" altLang="en-US" dirty="0"/>
               </a:p>
             </p:txBody>
           </p:sp>
@@ -4411,7 +5061,7 @@
               <a:blipFill>
                 <a:blip r:embed="rId3"/>
                 <a:stretch>
-                  <a:fillRect l="-1190"/>
+                  <a:fillRect l="-1020"/>
                 </a:stretch>
               </a:blipFill>
             </p:spPr>
@@ -4631,8 +5281,8 @@
             </p:nvSpPr>
             <p:spPr>
               <a:xfrm>
-                <a:off x="716665" y="1172257"/>
-                <a:ext cx="10758669" cy="2421844"/>
+                <a:off x="716665" y="1172256"/>
+                <a:ext cx="10758669" cy="4911043"/>
               </a:xfrm>
             </p:spPr>
             <p:txBody>
@@ -4814,8 +5464,8 @@
             </p:nvSpPr>
             <p:spPr>
               <a:xfrm>
-                <a:off x="716665" y="1172257"/>
-                <a:ext cx="10758669" cy="2421844"/>
+                <a:off x="716665" y="1172256"/>
+                <a:ext cx="10758669" cy="4911043"/>
               </a:xfrm>
               <a:blipFill>
                 <a:blip r:embed="rId3"/>

--- a/Mid-Project/Mid-Project.pptx
+++ b/Mid-Project/Mid-Project.pptx
@@ -233,7 +233,7 @@
           <a:p>
             <a:fld id="{6EF8F091-D89B-412D-A32C-FDED7660133C}" type="datetimeFigureOut">
               <a:rPr lang="zh-TW" altLang="en-US" smtClean="0"/>
-              <a:t>2021/4/19</a:t>
+              <a:t>2021/4/22</a:t>
             </a:fld>
             <a:endParaRPr lang="zh-TW" altLang="en-US"/>
           </a:p>
@@ -410,7 +410,7 @@
           <a:p>
             <a:fld id="{99779F56-EBD2-4AB0-8231-56265678763C}" type="datetimeFigureOut">
               <a:rPr lang="zh-TW" altLang="en-US" smtClean="0"/>
-              <a:t>2021/4/19</a:t>
+              <a:t>2021/4/22</a:t>
             </a:fld>
             <a:endParaRPr lang="zh-TW" altLang="en-US"/>
           </a:p>
@@ -1808,7 +1808,7 @@
             <a:fld id="{73DE5BA9-DEAF-42E6-A1DE-DDADD55AAA6B}" type="datetime1">
               <a:rPr lang="zh-TW" altLang="en-US" smtClean="0"/>
               <a:pPr/>
-              <a:t>2021/4/19</a:t>
+              <a:t>2021/4/22</a:t>
             </a:fld>
             <a:endParaRPr lang="zh-TW" altLang="en-US" dirty="0"/>
           </a:p>
@@ -2039,7 +2039,7 @@
             <a:fld id="{73DE5BA9-DEAF-42E6-A1DE-DDADD55AAA6B}" type="datetime1">
               <a:rPr lang="zh-TW" altLang="en-US" smtClean="0"/>
               <a:pPr/>
-              <a:t>2021/4/19</a:t>
+              <a:t>2021/4/22</a:t>
             </a:fld>
             <a:endParaRPr lang="zh-TW" altLang="en-US" dirty="0"/>
           </a:p>
@@ -2535,7 +2535,7 @@
             <a:fld id="{73DE5BA9-DEAF-42E6-A1DE-DDADD55AAA6B}" type="datetime1">
               <a:rPr lang="zh-TW" altLang="en-US" smtClean="0"/>
               <a:pPr/>
-              <a:t>2021/4/19</a:t>
+              <a:t>2021/4/22</a:t>
             </a:fld>
             <a:endParaRPr lang="zh-TW" altLang="en-US" dirty="0"/>
           </a:p>
@@ -2926,7 +2926,7 @@
             <a:fld id="{73DE5BA9-DEAF-42E6-A1DE-DDADD55AAA6B}" type="datetime1">
               <a:rPr lang="zh-TW" altLang="en-US" smtClean="0"/>
               <a:pPr/>
-              <a:t>2021/4/19</a:t>
+              <a:t>2021/4/22</a:t>
             </a:fld>
             <a:endParaRPr lang="zh-TW" altLang="en-US" dirty="0"/>
           </a:p>
@@ -3145,7 +3145,7 @@
             <a:fld id="{73DE5BA9-DEAF-42E6-A1DE-DDADD55AAA6B}" type="datetime1">
               <a:rPr lang="zh-TW" altLang="en-US" smtClean="0"/>
               <a:pPr/>
-              <a:t>2021/4/19</a:t>
+              <a:t>2021/4/22</a:t>
             </a:fld>
             <a:endParaRPr lang="zh-TW" altLang="en-US" dirty="0"/>
           </a:p>
@@ -3462,7 +3462,7 @@
             <a:fld id="{73DE5BA9-DEAF-42E6-A1DE-DDADD55AAA6B}" type="datetime1">
               <a:rPr lang="zh-TW" altLang="en-US" smtClean="0"/>
               <a:pPr/>
-              <a:t>2021/4/19</a:t>
+              <a:t>2021/4/22</a:t>
             </a:fld>
             <a:endParaRPr lang="zh-TW" altLang="en-US" dirty="0"/>
           </a:p>
@@ -3541,11 +3541,11 @@
             </a:r>
             <a:r>
               <a:rPr lang="en-US" altLang="zh-TW" dirty="0"/>
-              <a:t>-</a:t>
+              <a:t>– </a:t>
             </a:r>
             <a:r>
               <a:rPr lang="zh-TW" altLang="en-US" dirty="0"/>
-              <a:t> 詞袋</a:t>
+              <a:t>詞袋</a:t>
             </a:r>
           </a:p>
         </p:txBody>
@@ -3835,7 +3835,7 @@
             <a:fld id="{73DE5BA9-DEAF-42E6-A1DE-DDADD55AAA6B}" type="datetime1">
               <a:rPr lang="zh-TW" altLang="en-US" smtClean="0"/>
               <a:pPr/>
-              <a:t>2021/4/19</a:t>
+              <a:t>2021/4/22</a:t>
             </a:fld>
             <a:endParaRPr lang="zh-TW" altLang="en-US" dirty="0"/>
           </a:p>
@@ -3896,7 +3896,18 @@
               <a:rPr lang="en-US" altLang="zh-TW" dirty="0"/>
               <a:t>TF ( Term Frequency )</a:t>
             </a:r>
-            <a:endParaRPr lang="zh-TW" altLang="en-US" dirty="0"/>
+            <a:r>
+              <a:rPr lang="zh-TW" altLang="en-US" dirty="0"/>
+              <a:t> </a:t>
+            </a:r>
+            <a:r>
+              <a:rPr lang="en-US" altLang="zh-TW" dirty="0"/>
+              <a:t>– </a:t>
+            </a:r>
+            <a:r>
+              <a:rPr lang="zh-TW" altLang="en-US" dirty="0"/>
+              <a:t>詞頻</a:t>
+            </a:r>
           </a:p>
         </p:txBody>
       </p:sp>
@@ -4402,7 +4413,10 @@
                     </m:f>
                   </m:oMath>
                 </a14:m>
-                <a:endParaRPr lang="zh-TW" altLang="en-US" dirty="0"/>
+                <a:r>
+                  <a:rPr lang="zh-TW" altLang="en-US" dirty="0"/>
+                  <a:t>。</a:t>
+                </a:r>
               </a:p>
             </p:txBody>
           </p:sp>
@@ -4543,7 +4557,7 @@
             <a:fld id="{73DE5BA9-DEAF-42E6-A1DE-DDADD55AAA6B}" type="datetime1">
               <a:rPr lang="zh-TW" altLang="en-US" smtClean="0"/>
               <a:pPr/>
-              <a:t>2021/4/19</a:t>
+              <a:t>2021/4/22</a:t>
             </a:fld>
             <a:endParaRPr lang="zh-TW" altLang="en-US" dirty="0"/>
           </a:p>
@@ -4597,7 +4611,9 @@
         </p:nvSpPr>
         <p:spPr/>
         <p:txBody>
-          <a:bodyPr/>
+          <a:bodyPr>
+            <a:normAutofit fontScale="90000"/>
+          </a:bodyPr>
           <a:lstStyle/>
           <a:p>
             <a:r>
@@ -4618,9 +4634,12 @@
             </a:r>
             <a:r>
               <a:rPr lang="en-US" altLang="zh-TW" dirty="0"/>
-              <a:t>)</a:t>
-            </a:r>
-            <a:endParaRPr lang="zh-TW" altLang="en-US" dirty="0"/>
+              <a:t>) – </a:t>
+            </a:r>
+            <a:r>
+              <a:rPr lang="zh-TW" altLang="en-US" dirty="0"/>
+              <a:t>逆向文件頻率</a:t>
+            </a:r>
           </a:p>
         </p:txBody>
       </p:sp>
@@ -4876,7 +4895,7 @@
                 </a:r>
                 <a:r>
                   <a:rPr lang="zh-TW" altLang="en-US" dirty="0"/>
-                  <a:t>在所有文件出現的次數。</a:t>
+                  <a:t>在所有文件出現的次數</a:t>
                 </a:r>
                 <a:endParaRPr lang="en-US" altLang="zh-TW" dirty="0"/>
               </a:p>
@@ -5031,7 +5050,10 @@
                     </m:d>
                   </m:oMath>
                 </a14:m>
-                <a:endParaRPr lang="zh-TW" altLang="en-US" dirty="0"/>
+                <a:r>
+                  <a:rPr lang="zh-TW" altLang="en-US" dirty="0"/>
+                  <a:t>。</a:t>
+                </a:r>
               </a:p>
             </p:txBody>
           </p:sp>
@@ -5170,7 +5192,7 @@
             <a:fld id="{73DE5BA9-DEAF-42E6-A1DE-DDADD55AAA6B}" type="datetime1">
               <a:rPr lang="zh-TW" altLang="en-US" smtClean="0"/>
               <a:pPr/>
-              <a:t>2021/4/19</a:t>
+              <a:t>2021/4/22</a:t>
             </a:fld>
             <a:endParaRPr lang="zh-TW" altLang="en-US" dirty="0"/>
           </a:p>
@@ -5261,8 +5283,8 @@
           </a:p>
         </p:txBody>
       </p:sp>
-      <mc:AlternateContent xmlns:mc="http://schemas.openxmlformats.org/markup-compatibility/2006">
-        <mc:Choice xmlns:a14="http://schemas.microsoft.com/office/drawing/2010/main" Requires="a14">
+      <mc:AlternateContent xmlns:mc="http://schemas.openxmlformats.org/markup-compatibility/2006" xmlns:a14="http://schemas.microsoft.com/office/drawing/2010/main">
+        <mc:Choice Requires="a14">
           <p:sp>
             <p:nvSpPr>
               <p:cNvPr id="5" name="內容版面配置區 4">
@@ -5445,7 +5467,7 @@
             </p:txBody>
           </p:sp>
         </mc:Choice>
-        <mc:Fallback>
+        <mc:Fallback xmlns="">
           <p:sp>
             <p:nvSpPr>
               <p:cNvPr id="5" name="內容版面配置區 4">
@@ -5583,7 +5605,7 @@
             <a:fld id="{73DE5BA9-DEAF-42E6-A1DE-DDADD55AAA6B}" type="datetime1">
               <a:rPr lang="zh-TW" altLang="en-US" smtClean="0"/>
               <a:pPr/>
-              <a:t>2021/4/19</a:t>
+              <a:t>2021/4/22</a:t>
             </a:fld>
             <a:endParaRPr lang="zh-TW" altLang="en-US" dirty="0"/>
           </a:p>
@@ -5859,7 +5881,7 @@
             <a:fld id="{73DE5BA9-DEAF-42E6-A1DE-DDADD55AAA6B}" type="datetime1">
               <a:rPr lang="zh-TW" altLang="en-US" smtClean="0"/>
               <a:pPr/>
-              <a:t>2021/4/19</a:t>
+              <a:t>2021/4/22</a:t>
             </a:fld>
             <a:endParaRPr lang="zh-TW" altLang="en-US" dirty="0"/>
           </a:p>
@@ -5918,7 +5940,7 @@
           <a:p>
             <a:r>
               <a:rPr lang="zh-TW" altLang="en-US" dirty="0"/>
-              <a:t>實驗方法</a:t>
+              <a:t>輸入文件</a:t>
             </a:r>
           </a:p>
         </p:txBody>
@@ -6213,7 +6235,7 @@
             <a:fld id="{73DE5BA9-DEAF-42E6-A1DE-DDADD55AAA6B}" type="datetime1">
               <a:rPr lang="zh-TW" altLang="en-US" smtClean="0"/>
               <a:pPr/>
-              <a:t>2021/4/19</a:t>
+              <a:t>2021/4/22</a:t>
             </a:fld>
             <a:endParaRPr lang="zh-TW" altLang="en-US" dirty="0"/>
           </a:p>
@@ -6547,7 +6569,7 @@
             <a:fld id="{73DE5BA9-DEAF-42E6-A1DE-DDADD55AAA6B}" type="datetime1">
               <a:rPr lang="zh-TW" altLang="en-US" smtClean="0"/>
               <a:pPr/>
-              <a:t>2021/4/19</a:t>
+              <a:t>2021/4/22</a:t>
             </a:fld>
             <a:endParaRPr lang="zh-TW" altLang="en-US" dirty="0"/>
           </a:p>

--- a/Mid-Project/Mid-Project.pptx
+++ b/Mid-Project/Mid-Project.pptx
@@ -233,7 +233,7 @@
           <a:p>
             <a:fld id="{6EF8F091-D89B-412D-A32C-FDED7660133C}" type="datetimeFigureOut">
               <a:rPr lang="zh-TW" altLang="en-US" smtClean="0"/>
-              <a:t>2021/4/22</a:t>
+              <a:t>2021/4/23</a:t>
             </a:fld>
             <a:endParaRPr lang="zh-TW" altLang="en-US"/>
           </a:p>
@@ -410,7 +410,7 @@
           <a:p>
             <a:fld id="{99779F56-EBD2-4AB0-8231-56265678763C}" type="datetimeFigureOut">
               <a:rPr lang="zh-TW" altLang="en-US" smtClean="0"/>
-              <a:t>2021/4/22</a:t>
+              <a:t>2021/4/23</a:t>
             </a:fld>
             <a:endParaRPr lang="zh-TW" altLang="en-US"/>
           </a:p>
@@ -894,27 +894,7 @@
                 <a:effectLst/>
                 <a:latin typeface="charter"/>
               </a:rPr>
-              <a:t>「貓」和「狗」以及「貓」和「飛機」，貓和狗應該是較為相似的，但在詞袋之中也沒辦法體現這種「距離」的概念（到下一篇</a:t>
-            </a:r>
-            <a:r>
-              <a:rPr lang="en-US" altLang="zh-TW" b="0" i="0" dirty="0">
-                <a:solidFill>
-                  <a:srgbClr val="F5F2EB"/>
-                </a:solidFill>
-                <a:effectLst/>
-                <a:latin typeface="charter"/>
-              </a:rPr>
-              <a:t>word-embedding</a:t>
-            </a:r>
-            <a:r>
-              <a:rPr lang="zh-TW" altLang="en-US" b="0" i="0" dirty="0">
-                <a:solidFill>
-                  <a:srgbClr val="F5F2EB"/>
-                </a:solidFill>
-                <a:effectLst/>
-                <a:latin typeface="charter"/>
-              </a:rPr>
-              <a:t>就會提到解決方法）。</a:t>
+              <a:t>「貓」和「狗」以及「貓」和「飛機」，貓和狗應該是較為相似的，但在詞袋之中也沒辦法體現這種「距離」的概念。</a:t>
             </a:r>
             <a:endParaRPr lang="en-US" altLang="zh-TW" b="0" i="0" dirty="0">
               <a:solidFill>
@@ -942,7 +922,7 @@
                 <a:effectLst/>
                 <a:latin typeface="Alegreya Sans"/>
               </a:rPr>
-              <a:t>左邊是一篇完整的文章，透過詞袋處裡過後會轉變成一個一個的單字，接著我們就可以以得到的一維陣列特徵為依據，列出每篇溫張所出現的單字與出現的次數，產生出這個</a:t>
+              <a:t>左邊是一篇完整的文章，透過詞袋處裡過後會轉變成一個一個的單字，接著我們就可以以得到的一維陣列特徵為依據，列出每篇文章所出現的單字與出現的次數，產生出這個</a:t>
             </a:r>
             <a:r>
               <a:rPr lang="en-US" altLang="zh-TW" b="0" i="0" dirty="0">
@@ -1808,7 +1788,7 @@
             <a:fld id="{73DE5BA9-DEAF-42E6-A1DE-DDADD55AAA6B}" type="datetime1">
               <a:rPr lang="zh-TW" altLang="en-US" smtClean="0"/>
               <a:pPr/>
-              <a:t>2021/4/22</a:t>
+              <a:t>2021/4/23</a:t>
             </a:fld>
             <a:endParaRPr lang="zh-TW" altLang="en-US" dirty="0"/>
           </a:p>
@@ -2039,7 +2019,7 @@
             <a:fld id="{73DE5BA9-DEAF-42E6-A1DE-DDADD55AAA6B}" type="datetime1">
               <a:rPr lang="zh-TW" altLang="en-US" smtClean="0"/>
               <a:pPr/>
-              <a:t>2021/4/22</a:t>
+              <a:t>2021/4/23</a:t>
             </a:fld>
             <a:endParaRPr lang="zh-TW" altLang="en-US" dirty="0"/>
           </a:p>
@@ -2535,7 +2515,7 @@
             <a:fld id="{73DE5BA9-DEAF-42E6-A1DE-DDADD55AAA6B}" type="datetime1">
               <a:rPr lang="zh-TW" altLang="en-US" smtClean="0"/>
               <a:pPr/>
-              <a:t>2021/4/22</a:t>
+              <a:t>2021/4/23</a:t>
             </a:fld>
             <a:endParaRPr lang="zh-TW" altLang="en-US" dirty="0"/>
           </a:p>
@@ -2926,7 +2906,7 @@
             <a:fld id="{73DE5BA9-DEAF-42E6-A1DE-DDADD55AAA6B}" type="datetime1">
               <a:rPr lang="zh-TW" altLang="en-US" smtClean="0"/>
               <a:pPr/>
-              <a:t>2021/4/22</a:t>
+              <a:t>2021/4/23</a:t>
             </a:fld>
             <a:endParaRPr lang="zh-TW" altLang="en-US" dirty="0"/>
           </a:p>
@@ -3145,7 +3125,7 @@
             <a:fld id="{73DE5BA9-DEAF-42E6-A1DE-DDADD55AAA6B}" type="datetime1">
               <a:rPr lang="zh-TW" altLang="en-US" smtClean="0"/>
               <a:pPr/>
-              <a:t>2021/4/22</a:t>
+              <a:t>2021/4/23</a:t>
             </a:fld>
             <a:endParaRPr lang="zh-TW" altLang="en-US" dirty="0"/>
           </a:p>
@@ -3462,7 +3442,7 @@
             <a:fld id="{73DE5BA9-DEAF-42E6-A1DE-DDADD55AAA6B}" type="datetime1">
               <a:rPr lang="zh-TW" altLang="en-US" smtClean="0"/>
               <a:pPr/>
-              <a:t>2021/4/22</a:t>
+              <a:t>2021/4/23</a:t>
             </a:fld>
             <a:endParaRPr lang="zh-TW" altLang="en-US" dirty="0"/>
           </a:p>
@@ -3835,7 +3815,7 @@
             <a:fld id="{73DE5BA9-DEAF-42E6-A1DE-DDADD55AAA6B}" type="datetime1">
               <a:rPr lang="zh-TW" altLang="en-US" smtClean="0"/>
               <a:pPr/>
-              <a:t>2021/4/22</a:t>
+              <a:t>2021/4/23</a:t>
             </a:fld>
             <a:endParaRPr lang="zh-TW" altLang="en-US" dirty="0"/>
           </a:p>
@@ -4206,6 +4186,18 @@
                           </a:rPr>
                           <m:t>𝑘</m:t>
                         </m:r>
+                        <m:r>
+                          <a:rPr lang="en-US" altLang="zh-TW" i="1">
+                            <a:latin typeface="Cambria Math" panose="02040503050406030204" pitchFamily="18" charset="0"/>
+                          </a:rPr>
+                          <m:t>=</m:t>
+                        </m:r>
+                        <m:r>
+                          <a:rPr lang="en-US" altLang="zh-TW" b="0" i="1" smtClean="0">
+                            <a:latin typeface="Cambria Math" panose="02040503050406030204" pitchFamily="18" charset="0"/>
+                          </a:rPr>
+                          <m:t>1</m:t>
+                        </m:r>
                       </m:sub>
                       <m:sup>
                         <m:r>
@@ -4557,7 +4549,7 @@
             <a:fld id="{73DE5BA9-DEAF-42E6-A1DE-DDADD55AAA6B}" type="datetime1">
               <a:rPr lang="zh-TW" altLang="en-US" smtClean="0"/>
               <a:pPr/>
-              <a:t>2021/4/22</a:t>
+              <a:t>2021/4/23</a:t>
             </a:fld>
             <a:endParaRPr lang="zh-TW" altLang="en-US" dirty="0"/>
           </a:p>
@@ -4826,7 +4818,7 @@
                   <a:rPr lang="zh-TW" altLang="en-US" dirty="0">
                     <a:latin typeface="Cambria Math" panose="02040503050406030204" pitchFamily="18" charset="0"/>
                   </a:rPr>
-                  <a:t> </a:t>
+                  <a:t> 總</a:t>
                 </a:r>
                 <a:r>
                   <a:rPr lang="zh-TW" altLang="en-US" dirty="0"/>
@@ -4836,7 +4828,7 @@
                   <a:rPr lang="zh-TW" altLang="en-US" dirty="0">
                     <a:latin typeface="Cambria Math" panose="02040503050406030204" pitchFamily="18" charset="0"/>
                   </a:rPr>
-                  <a:t>數總和</a:t>
+                  <a:t>數</a:t>
                 </a:r>
                 <a:endParaRPr lang="en-US" altLang="zh-TW" dirty="0">
                   <a:latin typeface="Cambria Math" panose="02040503050406030204" pitchFamily="18" charset="0"/>
@@ -5192,7 +5184,7 @@
             <a:fld id="{73DE5BA9-DEAF-42E6-A1DE-DDADD55AAA6B}" type="datetime1">
               <a:rPr lang="zh-TW" altLang="en-US" smtClean="0"/>
               <a:pPr/>
-              <a:t>2021/4/22</a:t>
+              <a:t>2021/4/23</a:t>
             </a:fld>
             <a:endParaRPr lang="zh-TW" altLang="en-US" dirty="0"/>
           </a:p>
@@ -5605,7 +5597,7 @@
             <a:fld id="{73DE5BA9-DEAF-42E6-A1DE-DDADD55AAA6B}" type="datetime1">
               <a:rPr lang="zh-TW" altLang="en-US" smtClean="0"/>
               <a:pPr/>
-              <a:t>2021/4/22</a:t>
+              <a:t>2021/4/23</a:t>
             </a:fld>
             <a:endParaRPr lang="zh-TW" altLang="en-US" dirty="0"/>
           </a:p>
@@ -5881,7 +5873,7 @@
             <a:fld id="{73DE5BA9-DEAF-42E6-A1DE-DDADD55AAA6B}" type="datetime1">
               <a:rPr lang="zh-TW" altLang="en-US" smtClean="0"/>
               <a:pPr/>
-              <a:t>2021/4/22</a:t>
+              <a:t>2021/4/23</a:t>
             </a:fld>
             <a:endParaRPr lang="zh-TW" altLang="en-US" dirty="0"/>
           </a:p>
@@ -6235,7 +6227,7 @@
             <a:fld id="{73DE5BA9-DEAF-42E6-A1DE-DDADD55AAA6B}" type="datetime1">
               <a:rPr lang="zh-TW" altLang="en-US" smtClean="0"/>
               <a:pPr/>
-              <a:t>2021/4/22</a:t>
+              <a:t>2021/4/23</a:t>
             </a:fld>
             <a:endParaRPr lang="zh-TW" altLang="en-US" dirty="0"/>
           </a:p>
@@ -6569,7 +6561,7 @@
             <a:fld id="{73DE5BA9-DEAF-42E6-A1DE-DDADD55AAA6B}" type="datetime1">
               <a:rPr lang="zh-TW" altLang="en-US" smtClean="0"/>
               <a:pPr/>
-              <a:t>2021/4/22</a:t>
+              <a:t>2021/4/23</a:t>
             </a:fld>
             <a:endParaRPr lang="zh-TW" altLang="en-US" dirty="0"/>
           </a:p>
